--- a/ヘルメット/卒論/tex_fig/source/fig_data.pptx
+++ b/ヘルメット/卒論/tex_fig/source/fig_data.pptx
@@ -5,14 +5,15 @@
     <p:sldMasterId id="2147483660" r:id="rId1"/>
   </p:sldMasterIdLst>
   <p:notesMasterIdLst>
-    <p:notesMasterId r:id="rId7"/>
+    <p:notesMasterId r:id="rId8"/>
   </p:notesMasterIdLst>
   <p:sldIdLst>
     <p:sldId id="273" r:id="rId2"/>
     <p:sldId id="274" r:id="rId3"/>
     <p:sldId id="275" r:id="rId4"/>
-    <p:sldId id="276" r:id="rId5"/>
-    <p:sldId id="277" r:id="rId6"/>
+    <p:sldId id="278" r:id="rId5"/>
+    <p:sldId id="276" r:id="rId6"/>
+    <p:sldId id="277" r:id="rId7"/>
   </p:sldIdLst>
   <p:sldSz cx="12192000" cy="6858000"/>
   <p:notesSz cx="6858000" cy="9144000"/>
@@ -213,7 +214,7 @@
           <a:p>
             <a:fld id="{FE7EBC21-68F0-43CA-8DF5-D6844F9F3C2E}" type="datetimeFigureOut">
               <a:rPr kumimoji="1" lang="ja-JP" altLang="en-US" smtClean="0"/>
-              <a:t>2020/1/9</a:t>
+              <a:t>2020/1/10</a:t>
             </a:fld>
             <a:endParaRPr kumimoji="1" lang="ja-JP" altLang="en-US"/>
           </a:p>
@@ -733,7 +734,7 @@
           <a:p>
             <a:fld id="{28B1BEA1-2738-4C19-B133-02ABBF3E6E0C}" type="datetime1">
               <a:rPr kumimoji="1" lang="ja-JP" altLang="en-US" smtClean="0"/>
-              <a:t>2020/1/9</a:t>
+              <a:t>2020/1/10</a:t>
             </a:fld>
             <a:endParaRPr kumimoji="1" lang="ja-JP" altLang="en-US"/>
           </a:p>
@@ -1107,7 +1108,7 @@
           <a:p>
             <a:fld id="{321A0775-4641-4FD1-8F30-8577C8E45459}" type="datetime1">
               <a:rPr kumimoji="1" lang="ja-JP" altLang="en-US" smtClean="0"/>
-              <a:t>2020/1/9</a:t>
+              <a:t>2020/1/10</a:t>
             </a:fld>
             <a:endParaRPr kumimoji="1" lang="ja-JP" altLang="en-US"/>
           </a:p>
@@ -1317,7 +1318,7 @@
           <a:p>
             <a:fld id="{1A958096-B04A-44A1-BF3F-4EF7C63AEE7F}" type="datetime1">
               <a:rPr kumimoji="1" lang="ja-JP" altLang="en-US" smtClean="0"/>
-              <a:t>2020/1/9</a:t>
+              <a:t>2020/1/10</a:t>
             </a:fld>
             <a:endParaRPr kumimoji="1" lang="ja-JP" altLang="en-US"/>
           </a:p>
@@ -1517,7 +1518,7 @@
           <a:p>
             <a:fld id="{7E4BC299-9A2B-46B3-A868-72E6088D753F}" type="datetime1">
               <a:rPr kumimoji="1" lang="ja-JP" altLang="en-US" smtClean="0"/>
-              <a:t>2020/1/9</a:t>
+              <a:t>2020/1/10</a:t>
             </a:fld>
             <a:endParaRPr kumimoji="1" lang="ja-JP" altLang="en-US"/>
           </a:p>
@@ -1951,7 +1952,7 @@
           <a:p>
             <a:fld id="{5730D93F-C6A8-45DB-973B-2E9B74BB5747}" type="datetime1">
               <a:rPr kumimoji="1" lang="ja-JP" altLang="en-US" smtClean="0"/>
-              <a:t>2020/1/9</a:t>
+              <a:t>2020/1/10</a:t>
             </a:fld>
             <a:endParaRPr kumimoji="1" lang="ja-JP" altLang="en-US"/>
           </a:p>
@@ -2244,7 +2245,7 @@
           <a:p>
             <a:fld id="{8C8FBA03-08C5-445A-9675-5DD0E048D580}" type="datetime1">
               <a:rPr kumimoji="1" lang="ja-JP" altLang="en-US" smtClean="0"/>
-              <a:t>2020/1/9</a:t>
+              <a:t>2020/1/10</a:t>
             </a:fld>
             <a:endParaRPr kumimoji="1" lang="ja-JP" altLang="en-US"/>
           </a:p>
@@ -2672,7 +2673,7 @@
           <a:p>
             <a:fld id="{F22B3BE6-F63B-45DF-9657-6FEF2EDB1F30}" type="datetime1">
               <a:rPr kumimoji="1" lang="ja-JP" altLang="en-US" smtClean="0"/>
-              <a:t>2020/1/9</a:t>
+              <a:t>2020/1/10</a:t>
             </a:fld>
             <a:endParaRPr kumimoji="1" lang="ja-JP" altLang="en-US"/>
           </a:p>
@@ -2789,7 +2790,7 @@
           <a:p>
             <a:fld id="{C1D6E599-F080-45CC-8481-C833508C9D12}" type="datetime1">
               <a:rPr kumimoji="1" lang="ja-JP" altLang="en-US" smtClean="0"/>
-              <a:t>2020/1/9</a:t>
+              <a:t>2020/1/10</a:t>
             </a:fld>
             <a:endParaRPr kumimoji="1" lang="ja-JP" altLang="en-US"/>
           </a:p>
@@ -2884,7 +2885,7 @@
           <a:p>
             <a:fld id="{7D9B8A7E-64BC-4577-982E-7EC7218FD10F}" type="datetime1">
               <a:rPr kumimoji="1" lang="ja-JP" altLang="en-US" smtClean="0"/>
-              <a:t>2020/1/9</a:t>
+              <a:t>2020/1/10</a:t>
             </a:fld>
             <a:endParaRPr kumimoji="1" lang="ja-JP" altLang="en-US"/>
           </a:p>
@@ -3191,7 +3192,7 @@
           <a:p>
             <a:fld id="{8373066C-4ED1-4359-AD45-A7DE722C8BF8}" type="datetime1">
               <a:rPr kumimoji="1" lang="ja-JP" altLang="en-US" smtClean="0"/>
-              <a:t>2020/1/9</a:t>
+              <a:t>2020/1/10</a:t>
             </a:fld>
             <a:endParaRPr kumimoji="1" lang="ja-JP" altLang="en-US"/>
           </a:p>
@@ -3443,7 +3444,7 @@
           <a:p>
             <a:fld id="{BC0FD902-686B-4A0D-9EB1-37C4F06B03EF}" type="datetime1">
               <a:rPr kumimoji="1" lang="ja-JP" altLang="en-US" smtClean="0"/>
-              <a:t>2020/1/9</a:t>
+              <a:t>2020/1/10</a:t>
             </a:fld>
             <a:endParaRPr kumimoji="1" lang="ja-JP" altLang="en-US"/>
           </a:p>
@@ -3686,7 +3687,7 @@
           <a:p>
             <a:fld id="{E90FD2C9-6400-40CA-9626-E4ED2CBDBD1C}" type="datetime1">
               <a:rPr kumimoji="1" lang="ja-JP" altLang="en-US" smtClean="0"/>
-              <a:t>2020/1/9</a:t>
+              <a:t>2020/1/10</a:t>
             </a:fld>
             <a:endParaRPr kumimoji="1" lang="ja-JP" altLang="en-US"/>
           </a:p>
@@ -5652,7 +5653,7 @@
           <p:cNvPr id="4" name="スライド番号プレースホルダー 3">
             <a:extLst>
               <a:ext uri="{FF2B5EF4-FFF2-40B4-BE49-F238E27FC236}">
-                <a16:creationId xmlns:a16="http://schemas.microsoft.com/office/drawing/2014/main" id="{8E0BBEB0-E221-470C-B7B2-41B378DC4BC0}"/>
+                <a16:creationId xmlns:a16="http://schemas.microsoft.com/office/drawing/2014/main" id="{F55A4449-CFE5-4177-89CC-5422A05C290F}"/>
               </a:ext>
             </a:extLst>
           </p:cNvPr>
@@ -5682,7 +5683,7 @@
           <p:cNvPr id="3" name="グラフィックス 2">
             <a:extLst>
               <a:ext uri="{FF2B5EF4-FFF2-40B4-BE49-F238E27FC236}">
-                <a16:creationId xmlns:a16="http://schemas.microsoft.com/office/drawing/2014/main" id="{B74D8594-291C-4AA7-AF60-0D430D898724}"/>
+                <a16:creationId xmlns:a16="http://schemas.microsoft.com/office/drawing/2014/main" id="{41DA345C-9558-4679-8A2B-C667B8925827}"/>
               </a:ext>
             </a:extLst>
           </p:cNvPr>
@@ -5708,8 +5709,281 @@
         </p:blipFill>
         <p:spPr>
           <a:xfrm>
-            <a:off x="3171825" y="1233487"/>
-            <a:ext cx="5848350" cy="4391025"/>
+            <a:off x="4176227" y="707184"/>
+            <a:ext cx="1660777" cy="1246935"/>
+          </a:xfrm>
+          <a:prstGeom prst="rect">
+            <a:avLst/>
+          </a:prstGeom>
+        </p:spPr>
+      </p:pic>
+      <p:pic>
+        <p:nvPicPr>
+          <p:cNvPr id="7" name="グラフィックス 6">
+            <a:extLst>
+              <a:ext uri="{FF2B5EF4-FFF2-40B4-BE49-F238E27FC236}">
+                <a16:creationId xmlns:a16="http://schemas.microsoft.com/office/drawing/2014/main" id="{E1E568F4-1681-4EBA-B800-82BA0F5541AE}"/>
+              </a:ext>
+            </a:extLst>
+          </p:cNvPr>
+          <p:cNvPicPr>
+            <a:picLocks noChangeAspect="1"/>
+          </p:cNvPicPr>
+          <p:nvPr/>
+        </p:nvPicPr>
+        <p:blipFill>
+          <a:blip r:embed="rId4">
+            <a:extLst>
+              <a:ext uri="{28A0092B-C50C-407E-A947-70E740481C1C}">
+                <a14:useLocalDpi xmlns:a14="http://schemas.microsoft.com/office/drawing/2010/main" val="0"/>
+              </a:ext>
+              <a:ext uri="{96DAC541-7B7A-43D3-8B79-37D633B846F1}">
+                <asvg:svgBlip xmlns:asvg="http://schemas.microsoft.com/office/drawing/2016/SVG/main" r:embed="rId5"/>
+              </a:ext>
+            </a:extLst>
+          </a:blip>
+          <a:stretch>
+            <a:fillRect/>
+          </a:stretch>
+        </p:blipFill>
+        <p:spPr>
+          <a:xfrm>
+            <a:off x="4176227" y="1954119"/>
+            <a:ext cx="1660778" cy="1246936"/>
+          </a:xfrm>
+          <a:prstGeom prst="rect">
+            <a:avLst/>
+          </a:prstGeom>
+        </p:spPr>
+      </p:pic>
+      <p:pic>
+        <p:nvPicPr>
+          <p:cNvPr id="11" name="グラフィックス 10">
+            <a:extLst>
+              <a:ext uri="{FF2B5EF4-FFF2-40B4-BE49-F238E27FC236}">
+                <a16:creationId xmlns:a16="http://schemas.microsoft.com/office/drawing/2014/main" id="{83F5AFCF-EA6E-47A0-A459-8B642C5CF048}"/>
+              </a:ext>
+            </a:extLst>
+          </p:cNvPr>
+          <p:cNvPicPr>
+            <a:picLocks noChangeAspect="1"/>
+          </p:cNvPicPr>
+          <p:nvPr/>
+        </p:nvPicPr>
+        <p:blipFill>
+          <a:blip r:embed="rId6">
+            <a:extLst>
+              <a:ext uri="{28A0092B-C50C-407E-A947-70E740481C1C}">
+                <a14:useLocalDpi xmlns:a14="http://schemas.microsoft.com/office/drawing/2010/main" val="0"/>
+              </a:ext>
+              <a:ext uri="{96DAC541-7B7A-43D3-8B79-37D633B846F1}">
+                <asvg:svgBlip xmlns:asvg="http://schemas.microsoft.com/office/drawing/2016/SVG/main" r:embed="rId7"/>
+              </a:ext>
+            </a:extLst>
+          </a:blip>
+          <a:stretch>
+            <a:fillRect/>
+          </a:stretch>
+        </p:blipFill>
+        <p:spPr>
+          <a:xfrm>
+            <a:off x="4176227" y="3201054"/>
+            <a:ext cx="1660778" cy="1246936"/>
+          </a:xfrm>
+          <a:prstGeom prst="rect">
+            <a:avLst/>
+          </a:prstGeom>
+        </p:spPr>
+      </p:pic>
+      <p:pic>
+        <p:nvPicPr>
+          <p:cNvPr id="15" name="グラフィックス 14">
+            <a:extLst>
+              <a:ext uri="{FF2B5EF4-FFF2-40B4-BE49-F238E27FC236}">
+                <a16:creationId xmlns:a16="http://schemas.microsoft.com/office/drawing/2014/main" id="{E7FC0682-B6C4-422B-9952-87EEC176B261}"/>
+              </a:ext>
+            </a:extLst>
+          </p:cNvPr>
+          <p:cNvPicPr>
+            <a:picLocks noChangeAspect="1"/>
+          </p:cNvPicPr>
+          <p:nvPr/>
+        </p:nvPicPr>
+        <p:blipFill>
+          <a:blip r:embed="rId8">
+            <a:extLst>
+              <a:ext uri="{28A0092B-C50C-407E-A947-70E740481C1C}">
+                <a14:useLocalDpi xmlns:a14="http://schemas.microsoft.com/office/drawing/2010/main" val="0"/>
+              </a:ext>
+              <a:ext uri="{96DAC541-7B7A-43D3-8B79-37D633B846F1}">
+                <asvg:svgBlip xmlns:asvg="http://schemas.microsoft.com/office/drawing/2016/SVG/main" r:embed="rId9"/>
+              </a:ext>
+            </a:extLst>
+          </a:blip>
+          <a:stretch>
+            <a:fillRect/>
+          </a:stretch>
+        </p:blipFill>
+        <p:spPr>
+          <a:xfrm>
+            <a:off x="4176227" y="4447990"/>
+            <a:ext cx="1660778" cy="1246936"/>
+          </a:xfrm>
+          <a:prstGeom prst="rect">
+            <a:avLst/>
+          </a:prstGeom>
+        </p:spPr>
+      </p:pic>
+      <p:pic>
+        <p:nvPicPr>
+          <p:cNvPr id="19" name="グラフィックス 18">
+            <a:extLst>
+              <a:ext uri="{FF2B5EF4-FFF2-40B4-BE49-F238E27FC236}">
+                <a16:creationId xmlns:a16="http://schemas.microsoft.com/office/drawing/2014/main" id="{6576142E-1922-4A33-AB7E-47D3C32E82D9}"/>
+              </a:ext>
+            </a:extLst>
+          </p:cNvPr>
+          <p:cNvPicPr>
+            <a:picLocks noChangeAspect="1"/>
+          </p:cNvPicPr>
+          <p:nvPr/>
+        </p:nvPicPr>
+        <p:blipFill>
+          <a:blip r:embed="rId10">
+            <a:extLst>
+              <a:ext uri="{28A0092B-C50C-407E-A947-70E740481C1C}">
+                <a14:useLocalDpi xmlns:a14="http://schemas.microsoft.com/office/drawing/2010/main" val="0"/>
+              </a:ext>
+              <a:ext uri="{96DAC541-7B7A-43D3-8B79-37D633B846F1}">
+                <asvg:svgBlip xmlns:asvg="http://schemas.microsoft.com/office/drawing/2016/SVG/main" r:embed="rId11"/>
+              </a:ext>
+            </a:extLst>
+          </a:blip>
+          <a:stretch>
+            <a:fillRect/>
+          </a:stretch>
+        </p:blipFill>
+        <p:spPr>
+          <a:xfrm>
+            <a:off x="5837005" y="703984"/>
+            <a:ext cx="1660778" cy="1246936"/>
+          </a:xfrm>
+          <a:prstGeom prst="rect">
+            <a:avLst/>
+          </a:prstGeom>
+        </p:spPr>
+      </p:pic>
+      <p:pic>
+        <p:nvPicPr>
+          <p:cNvPr id="22" name="グラフィックス 21">
+            <a:extLst>
+              <a:ext uri="{FF2B5EF4-FFF2-40B4-BE49-F238E27FC236}">
+                <a16:creationId xmlns:a16="http://schemas.microsoft.com/office/drawing/2014/main" id="{BA05B102-2E25-4FDC-B7CB-0B34685E2BEB}"/>
+              </a:ext>
+            </a:extLst>
+          </p:cNvPr>
+          <p:cNvPicPr>
+            <a:picLocks noChangeAspect="1"/>
+          </p:cNvPicPr>
+          <p:nvPr/>
+        </p:nvPicPr>
+        <p:blipFill>
+          <a:blip r:embed="rId12">
+            <a:extLst>
+              <a:ext uri="{28A0092B-C50C-407E-A947-70E740481C1C}">
+                <a14:useLocalDpi xmlns:a14="http://schemas.microsoft.com/office/drawing/2010/main" val="0"/>
+              </a:ext>
+              <a:ext uri="{96DAC541-7B7A-43D3-8B79-37D633B846F1}">
+                <asvg:svgBlip xmlns:asvg="http://schemas.microsoft.com/office/drawing/2016/SVG/main" r:embed="rId13"/>
+              </a:ext>
+            </a:extLst>
+          </a:blip>
+          <a:stretch>
+            <a:fillRect/>
+          </a:stretch>
+        </p:blipFill>
+        <p:spPr>
+          <a:xfrm>
+            <a:off x="5837005" y="1957318"/>
+            <a:ext cx="1660778" cy="1246936"/>
+          </a:xfrm>
+          <a:prstGeom prst="rect">
+            <a:avLst/>
+          </a:prstGeom>
+        </p:spPr>
+      </p:pic>
+      <p:pic>
+        <p:nvPicPr>
+          <p:cNvPr id="24" name="グラフィックス 23">
+            <a:extLst>
+              <a:ext uri="{FF2B5EF4-FFF2-40B4-BE49-F238E27FC236}">
+                <a16:creationId xmlns:a16="http://schemas.microsoft.com/office/drawing/2014/main" id="{CB6E0270-2021-4447-AF78-B950D890DA57}"/>
+              </a:ext>
+            </a:extLst>
+          </p:cNvPr>
+          <p:cNvPicPr>
+            <a:picLocks noChangeAspect="1"/>
+          </p:cNvPicPr>
+          <p:nvPr/>
+        </p:nvPicPr>
+        <p:blipFill>
+          <a:blip r:embed="rId14">
+            <a:extLst>
+              <a:ext uri="{28A0092B-C50C-407E-A947-70E740481C1C}">
+                <a14:useLocalDpi xmlns:a14="http://schemas.microsoft.com/office/drawing/2010/main" val="0"/>
+              </a:ext>
+              <a:ext uri="{96DAC541-7B7A-43D3-8B79-37D633B846F1}">
+                <asvg:svgBlip xmlns:asvg="http://schemas.microsoft.com/office/drawing/2016/SVG/main" r:embed="rId15"/>
+              </a:ext>
+            </a:extLst>
+          </a:blip>
+          <a:stretch>
+            <a:fillRect/>
+          </a:stretch>
+        </p:blipFill>
+        <p:spPr>
+          <a:xfrm>
+            <a:off x="5837005" y="3207453"/>
+            <a:ext cx="1660778" cy="1246936"/>
+          </a:xfrm>
+          <a:prstGeom prst="rect">
+            <a:avLst/>
+          </a:prstGeom>
+        </p:spPr>
+      </p:pic>
+      <p:pic>
+        <p:nvPicPr>
+          <p:cNvPr id="26" name="グラフィックス 25">
+            <a:extLst>
+              <a:ext uri="{FF2B5EF4-FFF2-40B4-BE49-F238E27FC236}">
+                <a16:creationId xmlns:a16="http://schemas.microsoft.com/office/drawing/2014/main" id="{2ED2A847-AF44-4251-A7D6-2BA47EB36260}"/>
+              </a:ext>
+            </a:extLst>
+          </p:cNvPr>
+          <p:cNvPicPr>
+            <a:picLocks noChangeAspect="1"/>
+          </p:cNvPicPr>
+          <p:nvPr/>
+        </p:nvPicPr>
+        <p:blipFill>
+          <a:blip r:embed="rId16">
+            <a:extLst>
+              <a:ext uri="{28A0092B-C50C-407E-A947-70E740481C1C}">
+                <a14:useLocalDpi xmlns:a14="http://schemas.microsoft.com/office/drawing/2010/main" val="0"/>
+              </a:ext>
+              <a:ext uri="{96DAC541-7B7A-43D3-8B79-37D633B846F1}">
+                <asvg:svgBlip xmlns:asvg="http://schemas.microsoft.com/office/drawing/2016/SVG/main" r:embed="rId17"/>
+              </a:ext>
+            </a:extLst>
+          </a:blip>
+          <a:stretch>
+            <a:fillRect/>
+          </a:stretch>
+        </p:blipFill>
+        <p:spPr>
+          <a:xfrm>
+            <a:off x="5837004" y="4454389"/>
+            <a:ext cx="1660778" cy="1246936"/>
           </a:xfrm>
           <a:prstGeom prst="rect">
             <a:avLst/>
@@ -5719,7 +5993,7 @@
     </p:spTree>
     <p:extLst>
       <p:ext uri="{BB962C8B-B14F-4D97-AF65-F5344CB8AC3E}">
-        <p14:creationId xmlns:p14="http://schemas.microsoft.com/office/powerpoint/2010/main" val="1294979933"/>
+        <p14:creationId xmlns:p14="http://schemas.microsoft.com/office/powerpoint/2010/main" val="4275324149"/>
       </p:ext>
     </p:extLst>
   </p:cSld>
@@ -5751,7 +6025,7 @@
           <p:cNvPr id="4" name="スライド番号プレースホルダー 3">
             <a:extLst>
               <a:ext uri="{FF2B5EF4-FFF2-40B4-BE49-F238E27FC236}">
-                <a16:creationId xmlns:a16="http://schemas.microsoft.com/office/drawing/2014/main" id="{C704FC49-7BB9-47B7-8C12-F770A440EF86}"/>
+                <a16:creationId xmlns:a16="http://schemas.microsoft.com/office/drawing/2014/main" id="{8E0BBEB0-E221-470C-B7B2-41B378DC4BC0}"/>
               </a:ext>
             </a:extLst>
           </p:cNvPr>
@@ -5771,6 +6045,105 @@
               <a:rPr lang="ja-JP" altLang="en-US" smtClean="0"/>
               <a:pPr/>
               <a:t>5</a:t>
+            </a:fld>
+            <a:endParaRPr lang="ja-JP" altLang="en-US" dirty="0"/>
+          </a:p>
+        </p:txBody>
+      </p:sp>
+      <p:pic>
+        <p:nvPicPr>
+          <p:cNvPr id="3" name="グラフィックス 2">
+            <a:extLst>
+              <a:ext uri="{FF2B5EF4-FFF2-40B4-BE49-F238E27FC236}">
+                <a16:creationId xmlns:a16="http://schemas.microsoft.com/office/drawing/2014/main" id="{B74D8594-291C-4AA7-AF60-0D430D898724}"/>
+              </a:ext>
+            </a:extLst>
+          </p:cNvPr>
+          <p:cNvPicPr>
+            <a:picLocks noChangeAspect="1"/>
+          </p:cNvPicPr>
+          <p:nvPr/>
+        </p:nvPicPr>
+        <p:blipFill>
+          <a:blip r:embed="rId2">
+            <a:extLst>
+              <a:ext uri="{28A0092B-C50C-407E-A947-70E740481C1C}">
+                <a14:useLocalDpi xmlns:a14="http://schemas.microsoft.com/office/drawing/2010/main" val="0"/>
+              </a:ext>
+              <a:ext uri="{96DAC541-7B7A-43D3-8B79-37D633B846F1}">
+                <asvg:svgBlip xmlns:asvg="http://schemas.microsoft.com/office/drawing/2016/SVG/main" r:embed="rId3"/>
+              </a:ext>
+            </a:extLst>
+          </a:blip>
+          <a:stretch>
+            <a:fillRect/>
+          </a:stretch>
+        </p:blipFill>
+        <p:spPr>
+          <a:xfrm>
+            <a:off x="3171825" y="1233487"/>
+            <a:ext cx="5848350" cy="4391025"/>
+          </a:xfrm>
+          <a:prstGeom prst="rect">
+            <a:avLst/>
+          </a:prstGeom>
+        </p:spPr>
+      </p:pic>
+    </p:spTree>
+    <p:extLst>
+      <p:ext uri="{BB962C8B-B14F-4D97-AF65-F5344CB8AC3E}">
+        <p14:creationId xmlns:p14="http://schemas.microsoft.com/office/powerpoint/2010/main" val="1294979933"/>
+      </p:ext>
+    </p:extLst>
+  </p:cSld>
+  <p:clrMapOvr>
+    <a:masterClrMapping/>
+  </p:clrMapOvr>
+</p:sld>
+</file>
+
+<file path=ppt/slides/slide6.xml><?xml version="1.0" encoding="utf-8"?>
+<p:sld xmlns:a="http://schemas.openxmlformats.org/drawingml/2006/main" xmlns:r="http://schemas.openxmlformats.org/officeDocument/2006/relationships" xmlns:p="http://schemas.openxmlformats.org/presentationml/2006/main">
+  <p:cSld>
+    <p:spTree>
+      <p:nvGrpSpPr>
+        <p:cNvPr id="1" name=""/>
+        <p:cNvGrpSpPr/>
+        <p:nvPr/>
+      </p:nvGrpSpPr>
+      <p:grpSpPr>
+        <a:xfrm>
+          <a:off x="0" y="0"/>
+          <a:ext cx="0" cy="0"/>
+          <a:chOff x="0" y="0"/>
+          <a:chExt cx="0" cy="0"/>
+        </a:xfrm>
+      </p:grpSpPr>
+      <p:sp>
+        <p:nvSpPr>
+          <p:cNvPr id="4" name="スライド番号プレースホルダー 3">
+            <a:extLst>
+              <a:ext uri="{FF2B5EF4-FFF2-40B4-BE49-F238E27FC236}">
+                <a16:creationId xmlns:a16="http://schemas.microsoft.com/office/drawing/2014/main" id="{C704FC49-7BB9-47B7-8C12-F770A440EF86}"/>
+              </a:ext>
+            </a:extLst>
+          </p:cNvPr>
+          <p:cNvSpPr>
+            <a:spLocks noGrp="1"/>
+          </p:cNvSpPr>
+          <p:nvPr>
+            <p:ph type="sldNum" sz="quarter" idx="12"/>
+          </p:nvPr>
+        </p:nvSpPr>
+        <p:spPr/>
+        <p:txBody>
+          <a:bodyPr/>
+          <a:lstStyle/>
+          <a:p>
+            <a:fld id="{92084505-5355-43A2-B929-FD06D0DABC31}" type="slidenum">
+              <a:rPr lang="ja-JP" altLang="en-US" smtClean="0"/>
+              <a:pPr/>
+              <a:t>6</a:t>
             </a:fld>
             <a:endParaRPr lang="ja-JP" altLang="en-US" dirty="0"/>
           </a:p>
